--- a/BestPracticeHetroDataStores/BestPractices.pptx
+++ b/BestPracticeHetroDataStores/BestPractices.pptx
@@ -275,7 +275,7 @@
           <a:p>
             <a:fld id="{AD5C054D-294A-45B8-B5B0-D97560974BAA}" type="datetimeFigureOut">
               <a:rPr lang="en-GB" smtClean="0"/>
-              <a:t>16/10/2014</a:t>
+              <a:t>21/10/2014</a:t>
             </a:fld>
             <a:endParaRPr lang="en-GB"/>
           </a:p>
@@ -445,7 +445,7 @@
           <a:p>
             <a:fld id="{AD5C054D-294A-45B8-B5B0-D97560974BAA}" type="datetimeFigureOut">
               <a:rPr lang="en-GB" smtClean="0"/>
-              <a:t>16/10/2014</a:t>
+              <a:t>21/10/2014</a:t>
             </a:fld>
             <a:endParaRPr lang="en-GB"/>
           </a:p>
@@ -625,7 +625,7 @@
           <a:p>
             <a:fld id="{AD5C054D-294A-45B8-B5B0-D97560974BAA}" type="datetimeFigureOut">
               <a:rPr lang="en-GB" smtClean="0"/>
-              <a:t>16/10/2014</a:t>
+              <a:t>21/10/2014</a:t>
             </a:fld>
             <a:endParaRPr lang="en-GB"/>
           </a:p>
@@ -795,7 +795,7 @@
           <a:p>
             <a:fld id="{AD5C054D-294A-45B8-B5B0-D97560974BAA}" type="datetimeFigureOut">
               <a:rPr lang="en-GB" smtClean="0"/>
-              <a:t>16/10/2014</a:t>
+              <a:t>21/10/2014</a:t>
             </a:fld>
             <a:endParaRPr lang="en-GB"/>
           </a:p>
@@ -1041,7 +1041,7 @@
           <a:p>
             <a:fld id="{AD5C054D-294A-45B8-B5B0-D97560974BAA}" type="datetimeFigureOut">
               <a:rPr lang="en-GB" smtClean="0"/>
-              <a:t>16/10/2014</a:t>
+              <a:t>21/10/2014</a:t>
             </a:fld>
             <a:endParaRPr lang="en-GB"/>
           </a:p>
@@ -1273,7 +1273,7 @@
           <a:p>
             <a:fld id="{AD5C054D-294A-45B8-B5B0-D97560974BAA}" type="datetimeFigureOut">
               <a:rPr lang="en-GB" smtClean="0"/>
-              <a:t>16/10/2014</a:t>
+              <a:t>21/10/2014</a:t>
             </a:fld>
             <a:endParaRPr lang="en-GB"/>
           </a:p>
@@ -1640,7 +1640,7 @@
           <a:p>
             <a:fld id="{AD5C054D-294A-45B8-B5B0-D97560974BAA}" type="datetimeFigureOut">
               <a:rPr lang="en-GB" smtClean="0"/>
-              <a:t>16/10/2014</a:t>
+              <a:t>21/10/2014</a:t>
             </a:fld>
             <a:endParaRPr lang="en-GB"/>
           </a:p>
@@ -1758,7 +1758,7 @@
           <a:p>
             <a:fld id="{AD5C054D-294A-45B8-B5B0-D97560974BAA}" type="datetimeFigureOut">
               <a:rPr lang="en-GB" smtClean="0"/>
-              <a:t>16/10/2014</a:t>
+              <a:t>21/10/2014</a:t>
             </a:fld>
             <a:endParaRPr lang="en-GB"/>
           </a:p>
@@ -1853,7 +1853,7 @@
           <a:p>
             <a:fld id="{AD5C054D-294A-45B8-B5B0-D97560974BAA}" type="datetimeFigureOut">
               <a:rPr lang="en-GB" smtClean="0"/>
-              <a:t>16/10/2014</a:t>
+              <a:t>21/10/2014</a:t>
             </a:fld>
             <a:endParaRPr lang="en-GB"/>
           </a:p>
@@ -2130,7 +2130,7 @@
           <a:p>
             <a:fld id="{AD5C054D-294A-45B8-B5B0-D97560974BAA}" type="datetimeFigureOut">
               <a:rPr lang="en-GB" smtClean="0"/>
-              <a:t>16/10/2014</a:t>
+              <a:t>21/10/2014</a:t>
             </a:fld>
             <a:endParaRPr lang="en-GB"/>
           </a:p>
@@ -2387,7 +2387,7 @@
           <a:p>
             <a:fld id="{AD5C054D-294A-45B8-B5B0-D97560974BAA}" type="datetimeFigureOut">
               <a:rPr lang="en-GB" smtClean="0"/>
-              <a:t>16/10/2014</a:t>
+              <a:t>21/10/2014</a:t>
             </a:fld>
             <a:endParaRPr lang="en-GB"/>
           </a:p>
@@ -2600,7 +2600,7 @@
           <a:p>
             <a:fld id="{AD5C054D-294A-45B8-B5B0-D97560974BAA}" type="datetimeFigureOut">
               <a:rPr lang="en-GB" smtClean="0"/>
-              <a:t>16/10/2014</a:t>
+              <a:t>21/10/2014</a:t>
             </a:fld>
             <a:endParaRPr lang="en-GB"/>
           </a:p>
@@ -5674,7 +5674,31 @@
             <a:pPr lvl="1"/>
             <a:r>
               <a:rPr lang="en-GB" dirty="0" smtClean="0"/>
-              <a:t>So, prefer 32 bit systems over 64 bit</a:t>
+              <a:t>So, prefer </a:t>
+            </a:r>
+            <a:r>
+              <a:rPr lang="en-GB" dirty="0" smtClean="0"/>
+              <a:t>64</a:t>
+            </a:r>
+            <a:r>
+              <a:rPr lang="en-GB" dirty="0" smtClean="0"/>
+              <a:t> </a:t>
+            </a:r>
+            <a:r>
+              <a:rPr lang="en-GB" dirty="0" smtClean="0"/>
+              <a:t>bit systems over </a:t>
+            </a:r>
+            <a:r>
+              <a:rPr lang="en-GB" dirty="0" smtClean="0"/>
+              <a:t>32</a:t>
+            </a:r>
+            <a:r>
+              <a:rPr lang="en-GB" dirty="0" smtClean="0"/>
+              <a:t> </a:t>
+            </a:r>
+            <a:r>
+              <a:rPr lang="en-GB" dirty="0" smtClean="0"/>
+              <a:t>bit</a:t>
             </a:r>
           </a:p>
           <a:p>
@@ -6907,7 +6931,11 @@
           <a:p>
             <a:r>
               <a:rPr lang="en-GB" dirty="0" smtClean="0"/>
-              <a:t>Blog Storage: Best Practice</a:t>
+              <a:t>Blob </a:t>
+            </a:r>
+            <a:r>
+              <a:rPr lang="en-GB" dirty="0" smtClean="0"/>
+              <a:t>Storage: Best Practice</a:t>
             </a:r>
             <a:endParaRPr lang="en-GB" dirty="0"/>
           </a:p>
@@ -7858,7 +7886,15 @@
             <a:pPr lvl="1"/>
             <a:r>
               <a:rPr lang="en-GB" dirty="0" smtClean="0"/>
-              <a:t>Overflow to “larger” storage, e.g. blog storage</a:t>
+              <a:t>Overflow to “larger” storage, e.g. </a:t>
+            </a:r>
+            <a:r>
+              <a:rPr lang="en-GB" smtClean="0"/>
+              <a:t>blob </a:t>
+            </a:r>
+            <a:r>
+              <a:rPr lang="en-GB" dirty="0" smtClean="0"/>
+              <a:t>storage</a:t>
             </a:r>
           </a:p>
           <a:p>
